--- a/documentacao/Arquitetura de Software/Arquitetura de Software - Know.pptx
+++ b/documentacao/Arquitetura de Software/Arquitetura de Software - Know.pptx
@@ -655,7 +655,7 @@
             <a:fld id="{C3CD65D1-5C11-455D-9F9A-0E035F00A0DA}" type="datetimeFigureOut">
               <a:rPr lang="pt-BR" smtClean="0"/>
               <a:pPr/>
-              <a:t>22/09/2021</a:t>
+              <a:t>19/10/2021</a:t>
             </a:fld>
             <a:endParaRPr lang="pt-BR"/>
           </a:p>
@@ -823,7 +823,7 @@
             <a:fld id="{A05DA3EF-18EA-43DE-B1BB-402A3C558822}" type="datetimeFigureOut">
               <a:rPr lang="pt-BR" smtClean="0"/>
               <a:pPr/>
-              <a:t>22/09/2021</a:t>
+              <a:t>19/10/2021</a:t>
             </a:fld>
             <a:endParaRPr lang="pt-BR"/>
           </a:p>
@@ -23932,7 +23932,7 @@
         </p:nvSpPr>
         <p:spPr>
           <a:xfrm>
-            <a:off x="10757902" y="1747789"/>
+            <a:off x="7401151" y="1532425"/>
             <a:ext cx="2350434" cy="2016224"/>
           </a:xfrm>
           <a:prstGeom prst="flowChartMagneticDisk">
@@ -23990,15 +23990,14 @@
           </p:cNvPr>
           <p:cNvCxnSpPr>
             <a:cxnSpLocks/>
-            <a:stCxn id="37" idx="3"/>
             <a:endCxn id="5" idx="2"/>
           </p:cNvCxnSpPr>
           <p:nvPr/>
         </p:nvCxnSpPr>
         <p:spPr>
           <a:xfrm>
-            <a:off x="9409118" y="2745767"/>
-            <a:ext cx="1348784" cy="10134"/>
+            <a:off x="5510446" y="2540537"/>
+            <a:ext cx="1890705" cy="0"/>
           </a:xfrm>
           <a:prstGeom prst="straightConnector1">
             <a:avLst/>
@@ -24577,23 +24576,7 @@
                     <a:prstClr val="white"/>
                   </a:solidFill>
                 </a:rPr>
-                <a:t> JS + </a:t>
-              </a:r>
-              <a:r>
-                <a:rPr lang="pt-BR" sz="1600" dirty="0" err="1">
-                  <a:solidFill>
-                    <a:prstClr val="white"/>
-                  </a:solidFill>
-                </a:rPr>
-                <a:t>BootStrap</a:t>
-              </a:r>
-              <a:r>
-                <a:rPr lang="pt-BR" sz="1600" dirty="0">
-                  <a:solidFill>
-                    <a:prstClr val="white"/>
-                  </a:solidFill>
-                </a:rPr>
-                <a:t>]</a:t>
+                <a:t> JS + AXIOS]</a:t>
               </a:r>
             </a:p>
           </p:txBody>
@@ -25112,7 +25095,7 @@
         </p:nvSpPr>
         <p:spPr>
           <a:xfrm>
-            <a:off x="10609907" y="2323853"/>
+            <a:off x="7253156" y="2108489"/>
             <a:ext cx="2566458" cy="892552"/>
           </a:xfrm>
           <a:prstGeom prst="rect">
@@ -25252,197 +25235,6 @@
           </a:fontRef>
         </p:style>
       </p:cxnSp>
-      <p:grpSp>
-        <p:nvGrpSpPr>
-          <p:cNvPr id="36" name="Group 38">
-            <a:extLst>
-              <a:ext uri="{FF2B5EF4-FFF2-40B4-BE49-F238E27FC236}">
-                <a16:creationId xmlns:a16="http://schemas.microsoft.com/office/drawing/2014/main" id="{C760F3ED-253E-46BA-A428-C2E8107F789F}"/>
-              </a:ext>
-            </a:extLst>
-          </p:cNvPr>
-          <p:cNvGrpSpPr/>
-          <p:nvPr/>
-        </p:nvGrpSpPr>
-        <p:grpSpPr>
-          <a:xfrm>
-            <a:off x="6119107" y="1737655"/>
-            <a:ext cx="3416607" cy="2042976"/>
-            <a:chOff x="8738400" y="1277738"/>
-            <a:chExt cx="2566458" cy="2042976"/>
-          </a:xfrm>
-        </p:grpSpPr>
-        <p:sp>
-          <p:nvSpPr>
-            <p:cNvPr id="37" name="Retângulo 36">
-              <a:extLst>
-                <a:ext uri="{FF2B5EF4-FFF2-40B4-BE49-F238E27FC236}">
-                  <a16:creationId xmlns:a16="http://schemas.microsoft.com/office/drawing/2014/main" id="{743629C9-7B80-4AF8-835F-2B85EFC8A8CA}"/>
-                </a:ext>
-              </a:extLst>
-            </p:cNvPr>
-            <p:cNvSpPr/>
-            <p:nvPr/>
-          </p:nvSpPr>
-          <p:spPr>
-            <a:xfrm>
-              <a:off x="8833498" y="1277738"/>
-              <a:ext cx="2376264" cy="2016224"/>
-            </a:xfrm>
-            <a:prstGeom prst="rect">
-              <a:avLst/>
-            </a:prstGeom>
-            <a:ln/>
-          </p:spPr>
-          <p:style>
-            <a:lnRef idx="2">
-              <a:schemeClr val="accent5">
-                <a:shade val="50000"/>
-              </a:schemeClr>
-            </a:lnRef>
-            <a:fillRef idx="1">
-              <a:schemeClr val="accent5"/>
-            </a:fillRef>
-            <a:effectRef idx="0">
-              <a:schemeClr val="accent5"/>
-            </a:effectRef>
-            <a:fontRef idx="minor">
-              <a:schemeClr val="lt1"/>
-            </a:fontRef>
-          </p:style>
-          <p:txBody>
-            <a:bodyPr rtlCol="0" anchor="ctr"/>
-            <a:lstStyle/>
-            <a:p>
-              <a:pPr algn="ctr"/>
-              <a:endParaRPr lang="pt-BR" sz="1800" dirty="0">
-                <a:solidFill>
-                  <a:prstClr val="white"/>
-                </a:solidFill>
-                <a:latin typeface="Calibri"/>
-              </a:endParaRPr>
-            </a:p>
-          </p:txBody>
-        </p:sp>
-        <p:sp>
-          <p:nvSpPr>
-            <p:cNvPr id="38" name="Retângulo 37">
-              <a:extLst>
-                <a:ext uri="{FF2B5EF4-FFF2-40B4-BE49-F238E27FC236}">
-                  <a16:creationId xmlns:a16="http://schemas.microsoft.com/office/drawing/2014/main" id="{4720FA2C-841E-48ED-B302-B39B5B4A333C}"/>
-                </a:ext>
-              </a:extLst>
-            </p:cNvPr>
-            <p:cNvSpPr/>
-            <p:nvPr/>
-          </p:nvSpPr>
-          <p:spPr>
-            <a:xfrm>
-              <a:off x="8738400" y="1434857"/>
-              <a:ext cx="2566458" cy="954107"/>
-            </a:xfrm>
-            <a:prstGeom prst="rect">
-              <a:avLst/>
-            </a:prstGeom>
-          </p:spPr>
-          <p:txBody>
-            <a:bodyPr wrap="square">
-              <a:spAutoFit/>
-            </a:bodyPr>
-            <a:lstStyle/>
-            <a:p>
-              <a:pPr lvl="0" algn="ctr">
-                <a:defRPr/>
-              </a:pPr>
-              <a:r>
-                <a:rPr lang="pt-BR" sz="2000" b="1" dirty="0" err="1">
-                  <a:solidFill>
-                    <a:prstClr val="white"/>
-                  </a:solidFill>
-                </a:rPr>
-                <a:t>ServerSide</a:t>
-              </a:r>
-              <a:r>
-                <a:rPr lang="pt-BR" sz="2000" b="1" dirty="0">
-                  <a:solidFill>
-                    <a:prstClr val="white"/>
-                  </a:solidFill>
-                </a:rPr>
-                <a:t> Web</a:t>
-              </a:r>
-            </a:p>
-            <a:p>
-              <a:pPr lvl="0" algn="ctr">
-                <a:defRPr/>
-              </a:pPr>
-              <a:endParaRPr lang="pt-BR" sz="2000" b="1" dirty="0">
-                <a:solidFill>
-                  <a:prstClr val="white"/>
-                </a:solidFill>
-              </a:endParaRPr>
-            </a:p>
-            <a:p>
-              <a:pPr lvl="0" algn="ctr">
-                <a:defRPr/>
-              </a:pPr>
-              <a:r>
-                <a:rPr lang="pt-BR" sz="1600" dirty="0">
-                  <a:solidFill>
-                    <a:prstClr val="white"/>
-                  </a:solidFill>
-                </a:rPr>
-                <a:t>[Container: Sprint MVC, Java]</a:t>
-              </a:r>
-            </a:p>
-          </p:txBody>
-        </p:sp>
-        <p:sp>
-          <p:nvSpPr>
-            <p:cNvPr id="39" name="Retângulo 20">
-              <a:extLst>
-                <a:ext uri="{FF2B5EF4-FFF2-40B4-BE49-F238E27FC236}">
-                  <a16:creationId xmlns:a16="http://schemas.microsoft.com/office/drawing/2014/main" id="{B4C0294F-208B-4CCC-890F-3FEC27D14AE9}"/>
-                </a:ext>
-              </a:extLst>
-            </p:cNvPr>
-            <p:cNvSpPr/>
-            <p:nvPr/>
-          </p:nvSpPr>
-          <p:spPr>
-            <a:xfrm>
-              <a:off x="8900480" y="2735939"/>
-              <a:ext cx="2307052" cy="584775"/>
-            </a:xfrm>
-            <a:prstGeom prst="rect">
-              <a:avLst/>
-            </a:prstGeom>
-          </p:spPr>
-          <p:txBody>
-            <a:bodyPr wrap="square">
-              <a:spAutoFit/>
-            </a:bodyPr>
-            <a:lstStyle/>
-            <a:p>
-              <a:pPr lvl="0" algn="ctr">
-                <a:defRPr/>
-              </a:pPr>
-              <a:r>
-                <a:rPr lang="pt-BR" sz="1600" dirty="0">
-                  <a:solidFill>
-                    <a:prstClr val="white"/>
-                  </a:solidFill>
-                </a:rPr>
-                <a:t>Tratamento de dados, conexão SMTP/POP/IMAP e autenticação/token</a:t>
-              </a:r>
-              <a:endParaRPr lang="pt-BR" sz="1200" dirty="0">
-                <a:solidFill>
-                  <a:prstClr val="white"/>
-                </a:solidFill>
-              </a:endParaRPr>
-            </a:p>
-          </p:txBody>
-        </p:sp>
-      </p:grpSp>
       <p:grpSp>
         <p:nvGrpSpPr>
           <p:cNvPr id="42" name="Agrupar 41">
@@ -25642,63 +25434,15 @@
           </p:cNvPr>
           <p:cNvCxnSpPr>
             <a:cxnSpLocks/>
-            <a:endCxn id="43" idx="0"/>
-          </p:cNvCxnSpPr>
-          <p:nvPr/>
-        </p:nvCxnSpPr>
-        <p:spPr>
-          <a:xfrm flipH="1">
-            <a:off x="7368428" y="3760190"/>
-            <a:ext cx="12026" cy="1100562"/>
-          </a:xfrm>
-          <a:prstGeom prst="straightConnector1">
-            <a:avLst/>
-          </a:prstGeom>
-          <a:ln w="19050">
-            <a:solidFill>
-              <a:schemeClr val="accent5">
-                <a:lumMod val="75000"/>
-              </a:schemeClr>
-            </a:solidFill>
-            <a:prstDash val="sysDash"/>
-            <a:headEnd type="none" w="lg" len="lg"/>
-            <a:tailEnd type="triangle" w="lg" len="lg"/>
-          </a:ln>
-        </p:spPr>
-        <p:style>
-          <a:lnRef idx="1">
-            <a:schemeClr val="accent1"/>
-          </a:lnRef>
-          <a:fillRef idx="0">
-            <a:schemeClr val="accent1"/>
-          </a:fillRef>
-          <a:effectRef idx="0">
-            <a:schemeClr val="accent1"/>
-          </a:effectRef>
-          <a:fontRef idx="minor">
-            <a:schemeClr val="tx1"/>
-          </a:fontRef>
-        </p:style>
-      </p:cxnSp>
-      <p:cxnSp>
-        <p:nvCxnSpPr>
-          <p:cNvPr id="47" name="Conector de Seta Reta 107">
-            <a:extLst>
-              <a:ext uri="{FF2B5EF4-FFF2-40B4-BE49-F238E27FC236}">
-                <a16:creationId xmlns:a16="http://schemas.microsoft.com/office/drawing/2014/main" id="{A27D932F-039F-49E0-946C-95D4B0A5D608}"/>
-              </a:ext>
-            </a:extLst>
-          </p:cNvPr>
-          <p:cNvCxnSpPr>
-            <a:cxnSpLocks/>
-            <a:endCxn id="37" idx="1"/>
+            <a:stCxn id="8" idx="2"/>
+            <a:endCxn id="44" idx="0"/>
           </p:cNvCxnSpPr>
           <p:nvPr/>
         </p:nvCxnSpPr>
         <p:spPr>
           <a:xfrm>
-            <a:off x="5520959" y="2745767"/>
-            <a:ext cx="724748" cy="0"/>
+            <a:off x="4332827" y="3753879"/>
+            <a:ext cx="3035601" cy="1150063"/>
           </a:xfrm>
           <a:prstGeom prst="straightConnector1">
             <a:avLst/>
@@ -26121,13 +25865,14 @@
           </p:cNvPr>
           <p:cNvCxnSpPr>
             <a:cxnSpLocks/>
+            <a:endCxn id="60" idx="0"/>
           </p:cNvCxnSpPr>
           <p:nvPr/>
         </p:nvCxnSpPr>
         <p:spPr>
           <a:xfrm>
-            <a:off x="8449667" y="3780631"/>
-            <a:ext cx="815437" cy="1035390"/>
+            <a:off x="5510446" y="3738554"/>
+            <a:ext cx="4824344" cy="1104219"/>
           </a:xfrm>
           <a:prstGeom prst="straightConnector1">
             <a:avLst/>
@@ -26481,26 +26226,35 @@
                                   </p:childTnLst>
                                 </p:cTn>
                               </p:par>
-                            </p:childTnLst>
-                          </p:cTn>
-                        </p:par>
-                      </p:childTnLst>
-                    </p:cTn>
-                  </p:par>
-                  <p:par>
-                    <p:cTn id="25" fill="hold">
-                      <p:stCondLst>
-                        <p:cond delay="indefinite"/>
-                      </p:stCondLst>
-                      <p:childTnLst>
-                        <p:par>
-                          <p:cTn id="26" fill="hold">
-                            <p:stCondLst>
-                              <p:cond delay="0"/>
-                            </p:stCondLst>
-                            <p:childTnLst>
                               <p:par>
-                                <p:cTn id="27" presetID="1" presetClass="entr" presetSubtype="0" fill="hold" nodeType="clickEffect">
+                                <p:cTn id="25" presetID="1" presetClass="entr" presetSubtype="0" fill="hold" nodeType="withEffect">
+                                  <p:stCondLst>
+                                    <p:cond delay="0"/>
+                                  </p:stCondLst>
+                                  <p:childTnLst>
+                                    <p:set>
+                                      <p:cBhvr>
+                                        <p:cTn id="26" dur="1" fill="hold">
+                                          <p:stCondLst>
+                                            <p:cond delay="0"/>
+                                          </p:stCondLst>
+                                        </p:cTn>
+                                        <p:tgtEl>
+                                          <p:spTgt spid="42"/>
+                                        </p:tgtEl>
+                                        <p:attrNameLst>
+                                          <p:attrName>style.visibility</p:attrName>
+                                        </p:attrNameLst>
+                                      </p:cBhvr>
+                                      <p:to>
+                                        <p:strVal val="visible"/>
+                                      </p:to>
+                                    </p:set>
+                                  </p:childTnLst>
+                                </p:cTn>
+                              </p:par>
+                              <p:par>
+                                <p:cTn id="27" presetID="1" presetClass="entr" presetSubtype="0" fill="hold" nodeType="withEffect">
                                   <p:stCondLst>
                                     <p:cond delay="0"/>
                                   </p:stCondLst>
@@ -26513,7 +26267,7 @@
                                           </p:stCondLst>
                                         </p:cTn>
                                         <p:tgtEl>
-                                          <p:spTgt spid="36"/>
+                                          <p:spTgt spid="46"/>
                                         </p:tgtEl>
                                         <p:attrNameLst>
                                           <p:attrName>style.visibility</p:attrName>
@@ -26540,7 +26294,7 @@
                                           </p:stCondLst>
                                         </p:cTn>
                                         <p:tgtEl>
-                                          <p:spTgt spid="42"/>
+                                          <p:spTgt spid="59"/>
                                         </p:tgtEl>
                                         <p:attrNameLst>
                                           <p:attrName>style.visibility</p:attrName>
@@ -26567,7 +26321,7 @@
                                           </p:stCondLst>
                                         </p:cTn>
                                         <p:tgtEl>
-                                          <p:spTgt spid="46"/>
+                                          <p:spTgt spid="63"/>
                                         </p:tgtEl>
                                         <p:attrNameLst>
                                           <p:attrName>style.visibility</p:attrName>
@@ -26594,7 +26348,7 @@
                                           </p:stCondLst>
                                         </p:cTn>
                                         <p:tgtEl>
-                                          <p:spTgt spid="47"/>
+                                          <p:spTgt spid="67"/>
                                         </p:tgtEl>
                                         <p:attrNameLst>
                                           <p:attrName>style.visibility</p:attrName>
@@ -26616,87 +26370,6 @@
                                     <p:set>
                                       <p:cBhvr>
                                         <p:cTn id="36" dur="1" fill="hold">
-                                          <p:stCondLst>
-                                            <p:cond delay="0"/>
-                                          </p:stCondLst>
-                                        </p:cTn>
-                                        <p:tgtEl>
-                                          <p:spTgt spid="59"/>
-                                        </p:tgtEl>
-                                        <p:attrNameLst>
-                                          <p:attrName>style.visibility</p:attrName>
-                                        </p:attrNameLst>
-                                      </p:cBhvr>
-                                      <p:to>
-                                        <p:strVal val="visible"/>
-                                      </p:to>
-                                    </p:set>
-                                  </p:childTnLst>
-                                </p:cTn>
-                              </p:par>
-                              <p:par>
-                                <p:cTn id="37" presetID="1" presetClass="entr" presetSubtype="0" fill="hold" nodeType="withEffect">
-                                  <p:stCondLst>
-                                    <p:cond delay="0"/>
-                                  </p:stCondLst>
-                                  <p:childTnLst>
-                                    <p:set>
-                                      <p:cBhvr>
-                                        <p:cTn id="38" dur="1" fill="hold">
-                                          <p:stCondLst>
-                                            <p:cond delay="0"/>
-                                          </p:stCondLst>
-                                        </p:cTn>
-                                        <p:tgtEl>
-                                          <p:spTgt spid="63"/>
-                                        </p:tgtEl>
-                                        <p:attrNameLst>
-                                          <p:attrName>style.visibility</p:attrName>
-                                        </p:attrNameLst>
-                                      </p:cBhvr>
-                                      <p:to>
-                                        <p:strVal val="visible"/>
-                                      </p:to>
-                                    </p:set>
-                                  </p:childTnLst>
-                                </p:cTn>
-                              </p:par>
-                              <p:par>
-                                <p:cTn id="39" presetID="1" presetClass="entr" presetSubtype="0" fill="hold" nodeType="withEffect">
-                                  <p:stCondLst>
-                                    <p:cond delay="0"/>
-                                  </p:stCondLst>
-                                  <p:childTnLst>
-                                    <p:set>
-                                      <p:cBhvr>
-                                        <p:cTn id="40" dur="1" fill="hold">
-                                          <p:stCondLst>
-                                            <p:cond delay="0"/>
-                                          </p:stCondLst>
-                                        </p:cTn>
-                                        <p:tgtEl>
-                                          <p:spTgt spid="67"/>
-                                        </p:tgtEl>
-                                        <p:attrNameLst>
-                                          <p:attrName>style.visibility</p:attrName>
-                                        </p:attrNameLst>
-                                      </p:cBhvr>
-                                      <p:to>
-                                        <p:strVal val="visible"/>
-                                      </p:to>
-                                    </p:set>
-                                  </p:childTnLst>
-                                </p:cTn>
-                              </p:par>
-                              <p:par>
-                                <p:cTn id="41" presetID="1" presetClass="entr" presetSubtype="0" fill="hold" nodeType="withEffect">
-                                  <p:stCondLst>
-                                    <p:cond delay="0"/>
-                                  </p:stCondLst>
-                                  <p:childTnLst>
-                                    <p:set>
-                                      <p:cBhvr>
-                                        <p:cTn id="42" dur="1" fill="hold">
                                           <p:stCondLst>
                                             <p:cond delay="0"/>
                                           </p:stCondLst>
@@ -28174,6 +27847,12 @@
 </file>
 
 <file path=customXml/item2.xml><?xml version="1.0" encoding="utf-8"?>
+<p:properties xmlns:p="http://schemas.microsoft.com/office/2006/metadata/properties" xmlns:xsi="http://www.w3.org/2001/XMLSchema-instance" xmlns:pc="http://schemas.microsoft.com/office/infopath/2007/PartnerControls">
+  <documentManagement/>
+</p:properties>
+</file>
+
+<file path=customXml/item3.xml><?xml version="1.0" encoding="utf-8"?>
 <ct:contentTypeSchema xmlns:ct="http://schemas.microsoft.com/office/2006/metadata/contentType" xmlns:ma="http://schemas.microsoft.com/office/2006/metadata/properties/metaAttributes" ct:_="" ma:_="" ma:contentTypeName="Document" ma:contentTypeID="0x0101001132905C37EA9847A7207C4BBCCCD8F4" ma:contentTypeVersion="13" ma:contentTypeDescription="Create a new document." ma:contentTypeScope="" ma:versionID="0fa59793b99d27e1e0b856ab72ac2f0d">
   <xsd:schema xmlns:xsd="http://www.w3.org/2001/XMLSchema" xmlns:xs="http://www.w3.org/2001/XMLSchema" xmlns:p="http://schemas.microsoft.com/office/2006/metadata/properties" xmlns:ns3="4327b14a-fe89-488e-9f6d-9658cacf372b" xmlns:ns4="bbcd8c33-6940-4d4c-a587-bbc736ca1e4d" targetNamespace="http://schemas.microsoft.com/office/2006/metadata/properties" ma:root="true" ma:fieldsID="01494effa1b4414faf4d9851fe547c93" ns3:_="" ns4:_="">
     <xsd:import namespace="4327b14a-fe89-488e-9f6d-9658cacf372b"/>
@@ -28396,12 +28075,6 @@
 </ct:contentTypeSchema>
 </file>
 
-<file path=customXml/item3.xml><?xml version="1.0" encoding="utf-8"?>
-<p:properties xmlns:p="http://schemas.microsoft.com/office/2006/metadata/properties" xmlns:xsi="http://www.w3.org/2001/XMLSchema-instance" xmlns:pc="http://schemas.microsoft.com/office/infopath/2007/PartnerControls">
-  <documentManagement/>
-</p:properties>
-</file>
-
 <file path=customXml/itemProps1.xml><?xml version="1.0" encoding="utf-8"?>
 <ds:datastoreItem xmlns:ds="http://schemas.openxmlformats.org/officeDocument/2006/customXml" ds:itemID="{B2402960-8EF3-4234-B7C9-25E125FD4CA5}">
   <ds:schemaRefs>
@@ -28411,6 +28084,23 @@
 </file>
 
 <file path=customXml/itemProps2.xml><?xml version="1.0" encoding="utf-8"?>
+<ds:datastoreItem xmlns:ds="http://schemas.openxmlformats.org/officeDocument/2006/customXml" ds:itemID="{30D3F7B2-E865-49C4-B6C4-1C3489F322E5}">
+  <ds:schemaRefs>
+    <ds:schemaRef ds:uri="http://purl.org/dc/elements/1.1/"/>
+    <ds:schemaRef ds:uri="http://schemas.microsoft.com/office/2006/metadata/properties"/>
+    <ds:schemaRef ds:uri="4327b14a-fe89-488e-9f6d-9658cacf372b"/>
+    <ds:schemaRef ds:uri="bbcd8c33-6940-4d4c-a587-bbc736ca1e4d"/>
+    <ds:schemaRef ds:uri="http://purl.org/dc/terms/"/>
+    <ds:schemaRef ds:uri="http://schemas.openxmlformats.org/package/2006/metadata/core-properties"/>
+    <ds:schemaRef ds:uri="http://schemas.microsoft.com/office/2006/documentManagement/types"/>
+    <ds:schemaRef ds:uri="http://schemas.microsoft.com/office/infopath/2007/PartnerControls"/>
+    <ds:schemaRef ds:uri="http://www.w3.org/XML/1998/namespace"/>
+    <ds:schemaRef ds:uri="http://purl.org/dc/dcmitype/"/>
+  </ds:schemaRefs>
+</ds:datastoreItem>
+</file>
+
+<file path=customXml/itemProps3.xml><?xml version="1.0" encoding="utf-8"?>
 <ds:datastoreItem xmlns:ds="http://schemas.openxmlformats.org/officeDocument/2006/customXml" ds:itemID="{5B58B9C8-0155-43AB-B381-4C0241D252D3}">
   <ds:schemaRefs>
     <ds:schemaRef ds:uri="http://schemas.microsoft.com/office/2006/metadata/contentType"/>
@@ -28427,21 +28117,4 @@
     <ds:schemaRef ds:uri="http://schemas.microsoft.com/internal/obd"/>
   </ds:schemaRefs>
 </ds:datastoreItem>
-</file>
-
-<file path=customXml/itemProps3.xml><?xml version="1.0" encoding="utf-8"?>
-<ds:datastoreItem xmlns:ds="http://schemas.openxmlformats.org/officeDocument/2006/customXml" ds:itemID="{30D3F7B2-E865-49C4-B6C4-1C3489F322E5}">
-  <ds:schemaRefs>
-    <ds:schemaRef ds:uri="http://purl.org/dc/elements/1.1/"/>
-    <ds:schemaRef ds:uri="http://schemas.microsoft.com/office/2006/metadata/properties"/>
-    <ds:schemaRef ds:uri="4327b14a-fe89-488e-9f6d-9658cacf372b"/>
-    <ds:schemaRef ds:uri="bbcd8c33-6940-4d4c-a587-bbc736ca1e4d"/>
-    <ds:schemaRef ds:uri="http://purl.org/dc/terms/"/>
-    <ds:schemaRef ds:uri="http://schemas.openxmlformats.org/package/2006/metadata/core-properties"/>
-    <ds:schemaRef ds:uri="http://schemas.microsoft.com/office/2006/documentManagement/types"/>
-    <ds:schemaRef ds:uri="http://schemas.microsoft.com/office/infopath/2007/PartnerControls"/>
-    <ds:schemaRef ds:uri="http://www.w3.org/XML/1998/namespace"/>
-    <ds:schemaRef ds:uri="http://purl.org/dc/dcmitype/"/>
-  </ds:schemaRefs>
-</ds:datastoreItem>
 </file>
--- a/documentacao/Arquitetura de Software/Arquitetura de Software - Know.pptx
+++ b/documentacao/Arquitetura de Software/Arquitetura de Software - Know.pptx
@@ -655,7 +655,7 @@
             <a:fld id="{C3CD65D1-5C11-455D-9F9A-0E035F00A0DA}" type="datetimeFigureOut">
               <a:rPr lang="pt-BR" smtClean="0"/>
               <a:pPr/>
-              <a:t>19/10/2021</a:t>
+              <a:t>20/10/2021</a:t>
             </a:fld>
             <a:endParaRPr lang="pt-BR"/>
           </a:p>
@@ -823,7 +823,7 @@
             <a:fld id="{A05DA3EF-18EA-43DE-B1BB-402A3C558822}" type="datetimeFigureOut">
               <a:rPr lang="pt-BR" smtClean="0"/>
               <a:pPr/>
-              <a:t>19/10/2021</a:t>
+              <a:t>20/10/2021</a:t>
             </a:fld>
             <a:endParaRPr lang="pt-BR"/>
           </a:p>
@@ -23728,25 +23728,7 @@
                 </a:solidFill>
                 <a:latin typeface="Exo 2" panose="00000500000000000000" pitchFamily="50" charset="0"/>
               </a:rPr>
-              <a:t> e </a:t>
-            </a:r>
-            <a:r>
-              <a:rPr lang="pt-BR" sz="3200" dirty="0" err="1">
-                <a:solidFill>
-                  <a:srgbClr val="253746"/>
-                </a:solidFill>
-                <a:latin typeface="Exo 2" panose="00000500000000000000" pitchFamily="50" charset="0"/>
-              </a:rPr>
-              <a:t>React</a:t>
-            </a:r>
-            <a:r>
-              <a:rPr lang="pt-BR" sz="3200" dirty="0">
-                <a:solidFill>
-                  <a:srgbClr val="253746"/>
-                </a:solidFill>
-                <a:latin typeface="Exo 2" panose="00000500000000000000" pitchFamily="50" charset="0"/>
-              </a:rPr>
-              <a:t> JS</a:t>
+              <a:t> e React JS</a:t>
             </a:r>
           </a:p>
           <a:p>
@@ -24131,18 +24113,13 @@
                 <a:defRPr/>
               </a:pPr>
               <a:r>
-                <a:rPr lang="pt-BR" sz="2000" b="1" dirty="0" err="1">
+                <a:rPr lang="pt-BR" sz="2000" b="1" dirty="0">
                   <a:solidFill>
                     <a:prstClr val="white"/>
                   </a:solidFill>
                 </a:rPr>
                 <a:t>Microservices</a:t>
               </a:r>
-              <a:endParaRPr lang="pt-BR" sz="2000" b="1" dirty="0">
-                <a:solidFill>
-                  <a:prstClr val="white"/>
-                </a:solidFill>
-              </a:endParaRPr>
             </a:p>
             <a:p>
               <a:pPr lvl="0" algn="ctr">
@@ -24190,20 +24167,12 @@
                 <a:defRPr/>
               </a:pPr>
               <a:r>
-                <a:rPr lang="pt-BR" sz="1600" dirty="0" err="1">
-                  <a:solidFill>
-                    <a:prstClr val="white"/>
-                  </a:solidFill>
-                </a:rPr>
-                <a:t>Endpoints</a:t>
-              </a:r>
-              <a:r>
                 <a:rPr lang="pt-BR" sz="1600" dirty="0">
                   <a:solidFill>
                     <a:prstClr val="white"/>
                   </a:solidFill>
                 </a:rPr>
-                <a:t> e passagem de dados brutos</a:t>
+                <a:t>Endpoints e passagem de dados brutos</a:t>
               </a:r>
               <a:endParaRPr lang="pt-BR" sz="1200" dirty="0">
                 <a:solidFill>
@@ -24518,20 +24487,12 @@
                 <a:defRPr/>
               </a:pPr>
               <a:r>
-                <a:rPr lang="pt-BR" sz="2000" b="1" dirty="0" err="1">
-                  <a:solidFill>
-                    <a:prstClr val="white"/>
-                  </a:solidFill>
-                </a:rPr>
-                <a:t>ClientSide</a:t>
-              </a:r>
-              <a:r>
                 <a:rPr lang="pt-BR" sz="2000" b="1" dirty="0">
                   <a:solidFill>
                     <a:prstClr val="white"/>
                   </a:solidFill>
                 </a:rPr>
-                <a:t> Web</a:t>
+                <a:t>ClientSide Web</a:t>
               </a:r>
             </a:p>
             <a:p>
@@ -24544,39 +24505,7 @@
                     <a:prstClr val="white"/>
                   </a:solidFill>
                 </a:rPr>
-                <a:t>[Container: </a:t>
-              </a:r>
-              <a:r>
-                <a:rPr lang="pt-BR" sz="1600" dirty="0" err="1">
-                  <a:solidFill>
-                    <a:prstClr val="white"/>
-                  </a:solidFill>
-                </a:rPr>
-                <a:t>Javascript</a:t>
-              </a:r>
-              <a:r>
-                <a:rPr lang="pt-BR" sz="1600" dirty="0">
-                  <a:solidFill>
-                    <a:prstClr val="white"/>
-                  </a:solidFill>
-                </a:rPr>
-                <a:t> + </a:t>
-              </a:r>
-              <a:r>
-                <a:rPr lang="pt-BR" sz="1600" dirty="0" err="1">
-                  <a:solidFill>
-                    <a:prstClr val="white"/>
-                  </a:solidFill>
-                </a:rPr>
-                <a:t>React</a:t>
-              </a:r>
-              <a:r>
-                <a:rPr lang="pt-BR" sz="1600" dirty="0">
-                  <a:solidFill>
-                    <a:prstClr val="white"/>
-                  </a:solidFill>
-                </a:rPr>
-                <a:t> JS + AXIOS]</a:t>
+                <a:t>[Container: Javascript + React JS + AXIOS]</a:t>
               </a:r>
             </a:p>
           </p:txBody>
@@ -24940,18 +24869,13 @@
                 <a:defRPr/>
               </a:pPr>
               <a:r>
-                <a:rPr lang="pt-BR" sz="2000" b="1" dirty="0" err="1">
+                <a:rPr lang="pt-BR" sz="2000" b="1" dirty="0">
                   <a:solidFill>
                     <a:prstClr val="white"/>
                   </a:solidFill>
                 </a:rPr>
                 <a:t>MobileApp</a:t>
               </a:r>
-              <a:endParaRPr lang="pt-BR" sz="2000" b="1" dirty="0">
-                <a:solidFill>
-                  <a:prstClr val="white"/>
-                </a:solidFill>
-              </a:endParaRPr>
             </a:p>
             <a:p>
               <a:pPr lvl="0" algn="ctr">
@@ -24963,23 +24887,7 @@
                     <a:prstClr val="white"/>
                   </a:solidFill>
                 </a:rPr>
-                <a:t>[Container: PWA e </a:t>
-              </a:r>
-              <a:r>
-                <a:rPr lang="pt-BR" sz="1600" dirty="0" err="1">
-                  <a:solidFill>
-                    <a:prstClr val="white"/>
-                  </a:solidFill>
-                </a:rPr>
-                <a:t>Kotlin</a:t>
-              </a:r>
-              <a:r>
-                <a:rPr lang="pt-BR" sz="1600" dirty="0">
-                  <a:solidFill>
-                    <a:prstClr val="white"/>
-                  </a:solidFill>
-                </a:rPr>
-                <a:t>]</a:t>
+                <a:t>[Container: PWA e Kotlin]</a:t>
               </a:r>
             </a:p>
           </p:txBody>
@@ -25112,18 +25020,13 @@
               <a:defRPr/>
             </a:pPr>
             <a:r>
-              <a:rPr lang="pt-BR" sz="2000" b="1" dirty="0" err="1">
+              <a:rPr lang="pt-BR" sz="2000" b="1" dirty="0">
                 <a:solidFill>
                   <a:prstClr val="white"/>
                 </a:solidFill>
               </a:rPr>
               <a:t>Database</a:t>
             </a:r>
-            <a:endParaRPr lang="pt-BR" sz="2000" b="1" dirty="0">
-              <a:solidFill>
-                <a:prstClr val="white"/>
-              </a:solidFill>
-            </a:endParaRPr>
           </a:p>
           <a:p>
             <a:pPr lvl="0" algn="ctr">
@@ -25348,18 +25251,9 @@
                 <a:defRPr/>
               </a:pPr>
               <a:r>
-                <a:rPr lang="pt-BR" sz="2000" b="1" dirty="0" err="1"/>
-                <a:t>Nodemailer</a:t>
+                <a:rPr lang="pt-BR" sz="2000" b="1" dirty="0"/>
+                <a:t>Nodemailer Application</a:t>
               </a:r>
-              <a:r>
-                <a:rPr lang="pt-BR" sz="2000" b="1" dirty="0"/>
-                <a:t> </a:t>
-              </a:r>
-              <a:r>
-                <a:rPr lang="pt-BR" sz="2000" b="1" dirty="0" err="1"/>
-                <a:t>Application</a:t>
-              </a:r>
-              <a:endParaRPr lang="pt-BR" sz="2000" b="1" dirty="0"/>
             </a:p>
             <a:p>
               <a:pPr lvl="0" algn="ctr">
@@ -25367,15 +25261,7 @@
               </a:pPr>
               <a:r>
                 <a:rPr lang="pt-BR" sz="1600" dirty="0"/>
-                <a:t>[Container: API </a:t>
-              </a:r>
-              <a:r>
-                <a:rPr lang="pt-BR" sz="1600" dirty="0" err="1"/>
-                <a:t>Nodemailer</a:t>
-              </a:r>
-              <a:r>
-                <a:rPr lang="pt-BR" sz="1600" dirty="0"/>
-                <a:t>]</a:t>
+                <a:t>[Container: API Nodemailer]</a:t>
               </a:r>
             </a:p>
           </p:txBody>
@@ -25412,11 +25298,7 @@
               </a:pPr>
               <a:r>
                 <a:rPr lang="pt-BR" sz="1600" dirty="0"/>
-                <a:t>APIs para o envio de </a:t>
-              </a:r>
-              <a:r>
-                <a:rPr lang="pt-BR" sz="1600" dirty="0" err="1"/>
-                <a:t>emails</a:t>
+                <a:t>APIs para o envio de e-mails</a:t>
               </a:r>
               <a:endParaRPr lang="pt-BR" sz="1200" dirty="0"/>
             </a:p>
@@ -25586,18 +25468,9 @@
                 <a:defRPr/>
               </a:pPr>
               <a:r>
-                <a:rPr lang="pt-BR" sz="2000" b="1" dirty="0" err="1"/>
-                <a:t>Geolocation</a:t>
+                <a:rPr lang="pt-BR" sz="2000" b="1" dirty="0"/>
+                <a:t>Geolocation Application</a:t>
               </a:r>
-              <a:r>
-                <a:rPr lang="pt-BR" sz="2000" b="1" dirty="0"/>
-                <a:t> </a:t>
-              </a:r>
-              <a:r>
-                <a:rPr lang="pt-BR" sz="2000" b="1" dirty="0" err="1"/>
-                <a:t>Application</a:t>
-              </a:r>
-              <a:endParaRPr lang="pt-BR" sz="2000" b="1" dirty="0"/>
             </a:p>
             <a:p>
               <a:pPr lvl="0" algn="ctr">
@@ -25614,15 +25487,7 @@
               </a:pPr>
               <a:r>
                 <a:rPr lang="pt-BR" sz="1600" dirty="0"/>
-                <a:t> API </a:t>
-              </a:r>
-              <a:r>
-                <a:rPr lang="pt-BR" sz="1600" dirty="0" err="1"/>
-                <a:t>Geolocation</a:t>
-              </a:r>
-              <a:r>
-                <a:rPr lang="pt-BR" sz="1600" dirty="0"/>
-                <a:t>]</a:t>
+                <a:t> API Geolocation]</a:t>
               </a:r>
             </a:p>
           </p:txBody>
@@ -25788,13 +25653,8 @@
               </a:pPr>
               <a:r>
                 <a:rPr lang="pt-BR" sz="2000" b="1" dirty="0"/>
-                <a:t>Socket </a:t>
+                <a:t>Socket Application</a:t>
               </a:r>
-              <a:r>
-                <a:rPr lang="pt-BR" sz="2000" b="1" dirty="0" err="1"/>
-                <a:t>Application</a:t>
-              </a:r>
-              <a:endParaRPr lang="pt-BR" sz="2000" b="1" dirty="0"/>
             </a:p>
             <a:p>
               <a:pPr lvl="0" algn="ctr">
@@ -27847,12 +27707,6 @@
 </file>
 
 <file path=customXml/item2.xml><?xml version="1.0" encoding="utf-8"?>
-<p:properties xmlns:p="http://schemas.microsoft.com/office/2006/metadata/properties" xmlns:xsi="http://www.w3.org/2001/XMLSchema-instance" xmlns:pc="http://schemas.microsoft.com/office/infopath/2007/PartnerControls">
-  <documentManagement/>
-</p:properties>
-</file>
-
-<file path=customXml/item3.xml><?xml version="1.0" encoding="utf-8"?>
 <ct:contentTypeSchema xmlns:ct="http://schemas.microsoft.com/office/2006/metadata/contentType" xmlns:ma="http://schemas.microsoft.com/office/2006/metadata/properties/metaAttributes" ct:_="" ma:_="" ma:contentTypeName="Document" ma:contentTypeID="0x0101001132905C37EA9847A7207C4BBCCCD8F4" ma:contentTypeVersion="13" ma:contentTypeDescription="Create a new document." ma:contentTypeScope="" ma:versionID="0fa59793b99d27e1e0b856ab72ac2f0d">
   <xsd:schema xmlns:xsd="http://www.w3.org/2001/XMLSchema" xmlns:xs="http://www.w3.org/2001/XMLSchema" xmlns:p="http://schemas.microsoft.com/office/2006/metadata/properties" xmlns:ns3="4327b14a-fe89-488e-9f6d-9658cacf372b" xmlns:ns4="bbcd8c33-6940-4d4c-a587-bbc736ca1e4d" targetNamespace="http://schemas.microsoft.com/office/2006/metadata/properties" ma:root="true" ma:fieldsID="01494effa1b4414faf4d9851fe547c93" ns3:_="" ns4:_="">
     <xsd:import namespace="4327b14a-fe89-488e-9f6d-9658cacf372b"/>
@@ -28075,6 +27929,12 @@
 </ct:contentTypeSchema>
 </file>
 
+<file path=customXml/item3.xml><?xml version="1.0" encoding="utf-8"?>
+<p:properties xmlns:p="http://schemas.microsoft.com/office/2006/metadata/properties" xmlns:xsi="http://www.w3.org/2001/XMLSchema-instance" xmlns:pc="http://schemas.microsoft.com/office/infopath/2007/PartnerControls">
+  <documentManagement/>
+</p:properties>
+</file>
+
 <file path=customXml/itemProps1.xml><?xml version="1.0" encoding="utf-8"?>
 <ds:datastoreItem xmlns:ds="http://schemas.openxmlformats.org/officeDocument/2006/customXml" ds:itemID="{B2402960-8EF3-4234-B7C9-25E125FD4CA5}">
   <ds:schemaRefs>
@@ -28084,23 +27944,6 @@
 </file>
 
 <file path=customXml/itemProps2.xml><?xml version="1.0" encoding="utf-8"?>
-<ds:datastoreItem xmlns:ds="http://schemas.openxmlformats.org/officeDocument/2006/customXml" ds:itemID="{30D3F7B2-E865-49C4-B6C4-1C3489F322E5}">
-  <ds:schemaRefs>
-    <ds:schemaRef ds:uri="http://purl.org/dc/elements/1.1/"/>
-    <ds:schemaRef ds:uri="http://schemas.microsoft.com/office/2006/metadata/properties"/>
-    <ds:schemaRef ds:uri="4327b14a-fe89-488e-9f6d-9658cacf372b"/>
-    <ds:schemaRef ds:uri="bbcd8c33-6940-4d4c-a587-bbc736ca1e4d"/>
-    <ds:schemaRef ds:uri="http://purl.org/dc/terms/"/>
-    <ds:schemaRef ds:uri="http://schemas.openxmlformats.org/package/2006/metadata/core-properties"/>
-    <ds:schemaRef ds:uri="http://schemas.microsoft.com/office/2006/documentManagement/types"/>
-    <ds:schemaRef ds:uri="http://schemas.microsoft.com/office/infopath/2007/PartnerControls"/>
-    <ds:schemaRef ds:uri="http://www.w3.org/XML/1998/namespace"/>
-    <ds:schemaRef ds:uri="http://purl.org/dc/dcmitype/"/>
-  </ds:schemaRefs>
-</ds:datastoreItem>
-</file>
-
-<file path=customXml/itemProps3.xml><?xml version="1.0" encoding="utf-8"?>
 <ds:datastoreItem xmlns:ds="http://schemas.openxmlformats.org/officeDocument/2006/customXml" ds:itemID="{5B58B9C8-0155-43AB-B381-4C0241D252D3}">
   <ds:schemaRefs>
     <ds:schemaRef ds:uri="http://schemas.microsoft.com/office/2006/metadata/contentType"/>
@@ -28117,4 +27960,21 @@
     <ds:schemaRef ds:uri="http://schemas.microsoft.com/internal/obd"/>
   </ds:schemaRefs>
 </ds:datastoreItem>
+</file>
+
+<file path=customXml/itemProps3.xml><?xml version="1.0" encoding="utf-8"?>
+<ds:datastoreItem xmlns:ds="http://schemas.openxmlformats.org/officeDocument/2006/customXml" ds:itemID="{30D3F7B2-E865-49C4-B6C4-1C3489F322E5}">
+  <ds:schemaRefs>
+    <ds:schemaRef ds:uri="http://purl.org/dc/elements/1.1/"/>
+    <ds:schemaRef ds:uri="http://schemas.microsoft.com/office/2006/metadata/properties"/>
+    <ds:schemaRef ds:uri="4327b14a-fe89-488e-9f6d-9658cacf372b"/>
+    <ds:schemaRef ds:uri="bbcd8c33-6940-4d4c-a587-bbc736ca1e4d"/>
+    <ds:schemaRef ds:uri="http://purl.org/dc/terms/"/>
+    <ds:schemaRef ds:uri="http://schemas.openxmlformats.org/package/2006/metadata/core-properties"/>
+    <ds:schemaRef ds:uri="http://schemas.microsoft.com/office/2006/documentManagement/types"/>
+    <ds:schemaRef ds:uri="http://schemas.microsoft.com/office/infopath/2007/PartnerControls"/>
+    <ds:schemaRef ds:uri="http://www.w3.org/XML/1998/namespace"/>
+    <ds:schemaRef ds:uri="http://purl.org/dc/dcmitype/"/>
+  </ds:schemaRefs>
+</ds:datastoreItem>
 </file>
--- a/documentacao/Arquitetura de Software/Arquitetura de Software - Know.pptx
+++ b/documentacao/Arquitetura de Software/Arquitetura de Software - Know.pptx
@@ -25640,8 +25640,8 @@
         </p:nvGrpSpPr>
         <p:grpSpPr>
           <a:xfrm>
-            <a:off x="7187906" y="2794006"/>
-            <a:ext cx="2155706" cy="1440000"/>
+            <a:off x="7188200" y="2794000"/>
+            <a:ext cx="2311400" cy="1440180"/>
             <a:chOff x="8835348" y="1524475"/>
             <a:chExt cx="2633221" cy="2016224"/>
           </a:xfrm>
@@ -25654,8 +25654,8 @@
           </p:nvSpPr>
           <p:spPr>
             <a:xfrm>
-              <a:off x="8902687" y="1524475"/>
-              <a:ext cx="2376264" cy="2016224"/>
+              <a:off x="8902625" y="1524475"/>
+              <a:ext cx="2500113" cy="2016224"/>
             </a:xfrm>
             <a:prstGeom prst="rect">
               <a:avLst/>
@@ -25702,7 +25702,7 @@
           <p:spPr>
             <a:xfrm>
               <a:off x="8835348" y="1583056"/>
-              <a:ext cx="2566458" cy="1507022"/>
+              <a:ext cx="2566458" cy="1118346"/>
             </a:xfrm>
             <a:prstGeom prst="rect">
               <a:avLst/>
@@ -25826,7 +25826,7 @@
           <p:spPr>
             <a:xfrm>
               <a:off x="8902111" y="3089911"/>
-              <a:ext cx="2566458" cy="429435"/>
+              <a:ext cx="2566458" cy="429381"/>
             </a:xfrm>
             <a:prstGeom prst="rect">
               <a:avLst/>
@@ -26103,7 +26103,7 @@
         </p:nvSpPr>
         <p:spPr>
           <a:xfrm>
-            <a:off x="9279169" y="4720862"/>
+            <a:off x="7122074" y="4541157"/>
             <a:ext cx="1001493" cy="307777"/>
           </a:xfrm>
           <a:prstGeom prst="rect">
@@ -27022,9 +27022,9 @@
           <p:nvPr/>
         </p:nvCxnSpPr>
         <p:spPr>
-          <a:xfrm>
-            <a:off x="8293735" y="4218940"/>
-            <a:ext cx="17145" cy="951865"/>
+          <a:xfrm flipH="1">
+            <a:off x="8310880" y="4218940"/>
+            <a:ext cx="62230" cy="951865"/>
           </a:xfrm>
           <a:prstGeom prst="straightConnector1">
             <a:avLst/>
@@ -27294,19 +27294,19 @@
         <p:nvCxnSpPr>
           <p:cNvPr id="78" name="Conector: Angulado 60"/>
           <p:cNvCxnSpPr>
-            <a:stCxn id="88" idx="2"/>
-            <a:endCxn id="61" idx="0"/>
+            <a:stCxn id="87" idx="3"/>
+            <a:endCxn id="60" idx="1"/>
           </p:cNvCxnSpPr>
           <p:nvPr/>
         </p:nvCxnSpPr>
         <p:spPr>
-          <a:xfrm rot="5400000" flipV="1">
-            <a:off x="9318625" y="3194050"/>
-            <a:ext cx="933450" cy="2983230"/>
+          <a:xfrm>
+            <a:off x="9441180" y="3235325"/>
+            <a:ext cx="647065" cy="2882265"/>
           </a:xfrm>
           <a:prstGeom prst="bentConnector3">
             <a:avLst>
-              <a:gd name="adj1" fmla="val 50000"/>
+              <a:gd name="adj1" fmla="val 50049"/>
             </a:avLst>
           </a:prstGeom>
           <a:ln w="19050">
@@ -27346,12 +27346,12 @@
         </p:nvCxnSpPr>
         <p:spPr>
           <a:xfrm rot="16200000">
-            <a:off x="8739188" y="1798003"/>
-            <a:ext cx="537845" cy="1537970"/>
+            <a:off x="8776970" y="1835785"/>
+            <a:ext cx="537845" cy="1462405"/>
           </a:xfrm>
           <a:prstGeom prst="bentConnector3">
             <a:avLst>
-              <a:gd name="adj1" fmla="val 50000"/>
+              <a:gd name="adj1" fmla="val 49941"/>
             </a:avLst>
           </a:prstGeom>
           <a:ln w="19050">
@@ -27854,6 +27854,62 @@
           </a:fontRef>
         </p:style>
       </p:cxnSp>
+      <p:sp>
+        <p:nvSpPr>
+          <p:cNvPr id="2" name="Retângulo 132"/>
+          <p:cNvSpPr/>
+          <p:nvPr/>
+        </p:nvSpPr>
+        <p:spPr>
+          <a:xfrm>
+            <a:off x="11464204" y="4597037"/>
+            <a:ext cx="1001493" cy="307777"/>
+          </a:xfrm>
+          <a:prstGeom prst="rect">
+            <a:avLst/>
+          </a:prstGeom>
+        </p:spPr>
+        <p:txBody>
+          <a:bodyPr wrap="none">
+            <a:spAutoFit/>
+          </a:bodyPr>
+          <a:p>
+            <a:r>
+              <a:rPr lang="pt-BR" sz="1400" b="1"/>
+              <a:t>HTTP/REST</a:t>
+            </a:r>
+            <a:endParaRPr lang="pt-BR" sz="1400" b="1"/>
+          </a:p>
+        </p:txBody>
+      </p:sp>
+      <p:sp>
+        <p:nvSpPr>
+          <p:cNvPr id="3" name="Retângulo 132"/>
+          <p:cNvSpPr/>
+          <p:nvPr/>
+        </p:nvSpPr>
+        <p:spPr>
+          <a:xfrm>
+            <a:off x="8736244" y="4541157"/>
+            <a:ext cx="1001493" cy="307777"/>
+          </a:xfrm>
+          <a:prstGeom prst="rect">
+            <a:avLst/>
+          </a:prstGeom>
+        </p:spPr>
+        <p:txBody>
+          <a:bodyPr wrap="none">
+            <a:spAutoFit/>
+          </a:bodyPr>
+          <a:p>
+            <a:r>
+              <a:rPr lang="pt-BR" sz="1400" b="1"/>
+              <a:t>HTTP/REST</a:t>
+            </a:r>
+            <a:endParaRPr lang="pt-BR" sz="1400" b="1"/>
+          </a:p>
+        </p:txBody>
+      </p:sp>
     </p:spTree>
   </p:cSld>
   <p:clrMapOvr>
@@ -28311,6 +28367,60 @@
                                   </p:childTnLst>
                                 </p:cTn>
                               </p:par>
+                              <p:par>
+                                <p:cTn id="39" presetID="1" presetClass="entr" presetSubtype="0" fill="hold" grpId="0" nodeType="withEffect">
+                                  <p:stCondLst>
+                                    <p:cond delay="0"/>
+                                  </p:stCondLst>
+                                  <p:childTnLst>
+                                    <p:set>
+                                      <p:cBhvr>
+                                        <p:cTn id="40" dur="1" fill="hold">
+                                          <p:stCondLst>
+                                            <p:cond delay="0"/>
+                                          </p:stCondLst>
+                                        </p:cTn>
+                                        <p:tgtEl>
+                                          <p:spTgt spid="2"/>
+                                        </p:tgtEl>
+                                        <p:attrNameLst>
+                                          <p:attrName>style.visibility</p:attrName>
+                                        </p:attrNameLst>
+                                      </p:cBhvr>
+                                      <p:to>
+                                        <p:strVal val="visible"/>
+                                      </p:to>
+                                    </p:set>
+                                  </p:childTnLst>
+                                </p:cTn>
+                              </p:par>
+                              <p:par>
+                                <p:cTn id="41" presetID="1" presetClass="entr" presetSubtype="0" fill="hold" grpId="0" nodeType="withEffect">
+                                  <p:stCondLst>
+                                    <p:cond delay="0"/>
+                                  </p:stCondLst>
+                                  <p:childTnLst>
+                                    <p:set>
+                                      <p:cBhvr>
+                                        <p:cTn id="42" dur="1" fill="hold">
+                                          <p:stCondLst>
+                                            <p:cond delay="0"/>
+                                          </p:stCondLst>
+                                        </p:cTn>
+                                        <p:tgtEl>
+                                          <p:spTgt spid="3"/>
+                                        </p:tgtEl>
+                                        <p:attrNameLst>
+                                          <p:attrName>style.visibility</p:attrName>
+                                        </p:attrNameLst>
+                                      </p:cBhvr>
+                                      <p:to>
+                                        <p:strVal val="visible"/>
+                                      </p:to>
+                                    </p:set>
+                                  </p:childTnLst>
+                                </p:cTn>
+                              </p:par>
                             </p:childTnLst>
                           </p:cTn>
                         </p:par>
@@ -28342,6 +28452,8 @@
       <p:bldP spid="133" grpId="0"/>
       <p:bldP spid="134" grpId="0"/>
       <p:bldP spid="54" grpId="0" bldLvl="0" animBg="1"/>
+      <p:bldP spid="2" grpId="0"/>
+      <p:bldP spid="3" grpId="0"/>
     </p:bldLst>
   </p:timing>
 </p:sld>
